--- a/Weekly Updates/Week 11/CASP Week 11.pptx
+++ b/Weekly Updates/Week 11/CASP Week 11.pptx
@@ -286,7 +286,7 @@
           <a:p>
             <a:fld id="{E6C36A7E-1B23-46D3-B97D-FBE591A5B164}" type="datetimeFigureOut">
               <a:rPr lang="en-US" smtClean="0"/>
-              <a:t>4/12/2017</a:t>
+              <a:t>4/16/2017</a:t>
             </a:fld>
             <a:endParaRPr lang="en-US"/>
           </a:p>
@@ -553,7 +553,7 @@
           <a:p>
             <a:fld id="{E6C36A7E-1B23-46D3-B97D-FBE591A5B164}" type="datetimeFigureOut">
               <a:rPr lang="en-US" smtClean="0"/>
-              <a:t>4/12/2017</a:t>
+              <a:t>4/16/2017</a:t>
             </a:fld>
             <a:endParaRPr lang="en-US"/>
           </a:p>
@@ -784,7 +784,7 @@
           <a:p>
             <a:fld id="{E6C36A7E-1B23-46D3-B97D-FBE591A5B164}" type="datetimeFigureOut">
               <a:rPr lang="en-US" smtClean="0"/>
-              <a:t>4/12/2017</a:t>
+              <a:t>4/16/2017</a:t>
             </a:fld>
             <a:endParaRPr lang="en-US"/>
           </a:p>
@@ -1094,7 +1094,7 @@
           <a:p>
             <a:fld id="{E6C36A7E-1B23-46D3-B97D-FBE591A5B164}" type="datetimeFigureOut">
               <a:rPr lang="en-US" smtClean="0"/>
-              <a:t>4/12/2017</a:t>
+              <a:t>4/16/2017</a:t>
             </a:fld>
             <a:endParaRPr lang="en-US"/>
           </a:p>
@@ -1567,7 +1567,7 @@
           <a:p>
             <a:fld id="{E6C36A7E-1B23-46D3-B97D-FBE591A5B164}" type="datetimeFigureOut">
               <a:rPr lang="en-US" smtClean="0"/>
-              <a:t>4/12/2017</a:t>
+              <a:t>4/16/2017</a:t>
             </a:fld>
             <a:endParaRPr lang="en-US"/>
           </a:p>
@@ -2114,7 +2114,7 @@
           <a:p>
             <a:fld id="{E6C36A7E-1B23-46D3-B97D-FBE591A5B164}" type="datetimeFigureOut">
               <a:rPr lang="en-US" smtClean="0"/>
-              <a:t>4/12/2017</a:t>
+              <a:t>4/16/2017</a:t>
             </a:fld>
             <a:endParaRPr lang="en-US"/>
           </a:p>
@@ -2888,7 +2888,7 @@
           <a:p>
             <a:fld id="{E6C36A7E-1B23-46D3-B97D-FBE591A5B164}" type="datetimeFigureOut">
               <a:rPr lang="en-US" smtClean="0"/>
-              <a:t>4/12/2017</a:t>
+              <a:t>4/16/2017</a:t>
             </a:fld>
             <a:endParaRPr lang="en-US"/>
           </a:p>
@@ -3063,7 +3063,7 @@
           <a:p>
             <a:fld id="{E6C36A7E-1B23-46D3-B97D-FBE591A5B164}" type="datetimeFigureOut">
               <a:rPr lang="en-US" smtClean="0"/>
-              <a:t>4/12/2017</a:t>
+              <a:t>4/16/2017</a:t>
             </a:fld>
             <a:endParaRPr lang="en-US"/>
           </a:p>
@@ -3286,7 +3286,7 @@
           <a:p>
             <a:fld id="{E6C36A7E-1B23-46D3-B97D-FBE591A5B164}" type="datetimeFigureOut">
               <a:rPr lang="en-US" smtClean="0"/>
-              <a:t>4/12/2017</a:t>
+              <a:t>4/16/2017</a:t>
             </a:fld>
             <a:endParaRPr lang="en-US"/>
           </a:p>
@@ -3466,7 +3466,7 @@
           <a:p>
             <a:fld id="{E6C36A7E-1B23-46D3-B97D-FBE591A5B164}" type="datetimeFigureOut">
               <a:rPr lang="en-US" smtClean="0"/>
-              <a:t>4/12/2017</a:t>
+              <a:t>4/16/2017</a:t>
             </a:fld>
             <a:endParaRPr lang="en-US"/>
           </a:p>
@@ -3755,7 +3755,7 @@
           <a:p>
             <a:fld id="{E6C36A7E-1B23-46D3-B97D-FBE591A5B164}" type="datetimeFigureOut">
               <a:rPr lang="en-US" smtClean="0"/>
-              <a:t>4/12/2017</a:t>
+              <a:t>4/16/2017</a:t>
             </a:fld>
             <a:endParaRPr lang="en-US"/>
           </a:p>
@@ -3997,7 +3997,7 @@
           <a:p>
             <a:fld id="{E6C36A7E-1B23-46D3-B97D-FBE591A5B164}" type="datetimeFigureOut">
               <a:rPr lang="en-US" smtClean="0"/>
-              <a:t>4/12/2017</a:t>
+              <a:t>4/16/2017</a:t>
             </a:fld>
             <a:endParaRPr lang="en-US"/>
           </a:p>
@@ -4376,7 +4376,7 @@
           <a:p>
             <a:fld id="{E6C36A7E-1B23-46D3-B97D-FBE591A5B164}" type="datetimeFigureOut">
               <a:rPr lang="en-US" smtClean="0"/>
-              <a:t>4/12/2017</a:t>
+              <a:t>4/16/2017</a:t>
             </a:fld>
             <a:endParaRPr lang="en-US"/>
           </a:p>
@@ -4494,7 +4494,7 @@
           <a:p>
             <a:fld id="{E6C36A7E-1B23-46D3-B97D-FBE591A5B164}" type="datetimeFigureOut">
               <a:rPr lang="en-US" smtClean="0"/>
-              <a:t>4/12/2017</a:t>
+              <a:t>4/16/2017</a:t>
             </a:fld>
             <a:endParaRPr lang="en-US"/>
           </a:p>
@@ -4589,7 +4589,7 @@
           <a:p>
             <a:fld id="{E6C36A7E-1B23-46D3-B97D-FBE591A5B164}" type="datetimeFigureOut">
               <a:rPr lang="en-US" smtClean="0"/>
-              <a:t>4/12/2017</a:t>
+              <a:t>4/16/2017</a:t>
             </a:fld>
             <a:endParaRPr lang="en-US"/>
           </a:p>
@@ -4838,7 +4838,7 @@
           <a:p>
             <a:fld id="{E6C36A7E-1B23-46D3-B97D-FBE591A5B164}" type="datetimeFigureOut">
               <a:rPr lang="en-US" smtClean="0"/>
-              <a:t>4/12/2017</a:t>
+              <a:t>4/16/2017</a:t>
             </a:fld>
             <a:endParaRPr lang="en-US"/>
           </a:p>
@@ -5095,7 +5095,7 @@
           <a:p>
             <a:fld id="{E6C36A7E-1B23-46D3-B97D-FBE591A5B164}" type="datetimeFigureOut">
               <a:rPr lang="en-US" smtClean="0"/>
-              <a:t>4/12/2017</a:t>
+              <a:t>4/16/2017</a:t>
             </a:fld>
             <a:endParaRPr lang="en-US"/>
           </a:p>
@@ -5338,7 +5338,7 @@
           <a:p>
             <a:fld id="{E6C36A7E-1B23-46D3-B97D-FBE591A5B164}" type="datetimeFigureOut">
               <a:rPr lang="en-US" smtClean="0"/>
-              <a:t>4/12/2017</a:t>
+              <a:t>4/16/2017</a:t>
             </a:fld>
             <a:endParaRPr lang="en-US"/>
           </a:p>
@@ -5935,7 +5935,17 @@
           </a:p>
           <a:p>
             <a:pPr lvl="1"/>
-            <a:endParaRPr lang="en-US" dirty="0"/>
+            <a:r>
+              <a:rPr lang="en-US" dirty="0"/>
+              <a:t>Needs extra logic to complete</a:t>
+            </a:r>
+          </a:p>
+          <a:p>
+            <a:pPr lvl="2"/>
+            <a:r>
+              <a:rPr lang="en-US" dirty="0"/>
+              <a:t>Need to keep track of variable values in order to determine if a loop is constant or not</a:t>
+            </a:r>
           </a:p>
         </p:txBody>
       </p:sp>
@@ -6992,6 +7002,13 @@
             <a:r>
               <a:rPr lang="en-US" dirty="0"/>
               <a:t>Complete Analyze Module</a:t>
+            </a:r>
+          </a:p>
+          <a:p>
+            <a:pPr lvl="2"/>
+            <a:r>
+              <a:rPr lang="en-US" dirty="0"/>
+              <a:t>Create variable table of variables declared and assigned</a:t>
             </a:r>
           </a:p>
           <a:p>

--- a/Weekly Updates/Week 11/CASP Week 11.pptx
+++ b/Weekly Updates/Week 11/CASP Week 11.pptx
@@ -286,7 +286,7 @@
           <a:p>
             <a:fld id="{E6C36A7E-1B23-46D3-B97D-FBE591A5B164}" type="datetimeFigureOut">
               <a:rPr lang="en-US" smtClean="0"/>
-              <a:t>4/16/2017</a:t>
+              <a:t>4/18/2017</a:t>
             </a:fld>
             <a:endParaRPr lang="en-US"/>
           </a:p>
@@ -553,7 +553,7 @@
           <a:p>
             <a:fld id="{E6C36A7E-1B23-46D3-B97D-FBE591A5B164}" type="datetimeFigureOut">
               <a:rPr lang="en-US" smtClean="0"/>
-              <a:t>4/16/2017</a:t>
+              <a:t>4/18/2017</a:t>
             </a:fld>
             <a:endParaRPr lang="en-US"/>
           </a:p>
@@ -784,7 +784,7 @@
           <a:p>
             <a:fld id="{E6C36A7E-1B23-46D3-B97D-FBE591A5B164}" type="datetimeFigureOut">
               <a:rPr lang="en-US" smtClean="0"/>
-              <a:t>4/16/2017</a:t>
+              <a:t>4/18/2017</a:t>
             </a:fld>
             <a:endParaRPr lang="en-US"/>
           </a:p>
@@ -1094,7 +1094,7 @@
           <a:p>
             <a:fld id="{E6C36A7E-1B23-46D3-B97D-FBE591A5B164}" type="datetimeFigureOut">
               <a:rPr lang="en-US" smtClean="0"/>
-              <a:t>4/16/2017</a:t>
+              <a:t>4/18/2017</a:t>
             </a:fld>
             <a:endParaRPr lang="en-US"/>
           </a:p>
@@ -1567,7 +1567,7 @@
           <a:p>
             <a:fld id="{E6C36A7E-1B23-46D3-B97D-FBE591A5B164}" type="datetimeFigureOut">
               <a:rPr lang="en-US" smtClean="0"/>
-              <a:t>4/16/2017</a:t>
+              <a:t>4/18/2017</a:t>
             </a:fld>
             <a:endParaRPr lang="en-US"/>
           </a:p>
@@ -2114,7 +2114,7 @@
           <a:p>
             <a:fld id="{E6C36A7E-1B23-46D3-B97D-FBE591A5B164}" type="datetimeFigureOut">
               <a:rPr lang="en-US" smtClean="0"/>
-              <a:t>4/16/2017</a:t>
+              <a:t>4/18/2017</a:t>
             </a:fld>
             <a:endParaRPr lang="en-US"/>
           </a:p>
@@ -2888,7 +2888,7 @@
           <a:p>
             <a:fld id="{E6C36A7E-1B23-46D3-B97D-FBE591A5B164}" type="datetimeFigureOut">
               <a:rPr lang="en-US" smtClean="0"/>
-              <a:t>4/16/2017</a:t>
+              <a:t>4/18/2017</a:t>
             </a:fld>
             <a:endParaRPr lang="en-US"/>
           </a:p>
@@ -3063,7 +3063,7 @@
           <a:p>
             <a:fld id="{E6C36A7E-1B23-46D3-B97D-FBE591A5B164}" type="datetimeFigureOut">
               <a:rPr lang="en-US" smtClean="0"/>
-              <a:t>4/16/2017</a:t>
+              <a:t>4/18/2017</a:t>
             </a:fld>
             <a:endParaRPr lang="en-US"/>
           </a:p>
@@ -3286,7 +3286,7 @@
           <a:p>
             <a:fld id="{E6C36A7E-1B23-46D3-B97D-FBE591A5B164}" type="datetimeFigureOut">
               <a:rPr lang="en-US" smtClean="0"/>
-              <a:t>4/16/2017</a:t>
+              <a:t>4/18/2017</a:t>
             </a:fld>
             <a:endParaRPr lang="en-US"/>
           </a:p>
@@ -3466,7 +3466,7 @@
           <a:p>
             <a:fld id="{E6C36A7E-1B23-46D3-B97D-FBE591A5B164}" type="datetimeFigureOut">
               <a:rPr lang="en-US" smtClean="0"/>
-              <a:t>4/16/2017</a:t>
+              <a:t>4/18/2017</a:t>
             </a:fld>
             <a:endParaRPr lang="en-US"/>
           </a:p>
@@ -3755,7 +3755,7 @@
           <a:p>
             <a:fld id="{E6C36A7E-1B23-46D3-B97D-FBE591A5B164}" type="datetimeFigureOut">
               <a:rPr lang="en-US" smtClean="0"/>
-              <a:t>4/16/2017</a:t>
+              <a:t>4/18/2017</a:t>
             </a:fld>
             <a:endParaRPr lang="en-US"/>
           </a:p>
@@ -3997,7 +3997,7 @@
           <a:p>
             <a:fld id="{E6C36A7E-1B23-46D3-B97D-FBE591A5B164}" type="datetimeFigureOut">
               <a:rPr lang="en-US" smtClean="0"/>
-              <a:t>4/16/2017</a:t>
+              <a:t>4/18/2017</a:t>
             </a:fld>
             <a:endParaRPr lang="en-US"/>
           </a:p>
@@ -4376,7 +4376,7 @@
           <a:p>
             <a:fld id="{E6C36A7E-1B23-46D3-B97D-FBE591A5B164}" type="datetimeFigureOut">
               <a:rPr lang="en-US" smtClean="0"/>
-              <a:t>4/16/2017</a:t>
+              <a:t>4/18/2017</a:t>
             </a:fld>
             <a:endParaRPr lang="en-US"/>
           </a:p>
@@ -4494,7 +4494,7 @@
           <a:p>
             <a:fld id="{E6C36A7E-1B23-46D3-B97D-FBE591A5B164}" type="datetimeFigureOut">
               <a:rPr lang="en-US" smtClean="0"/>
-              <a:t>4/16/2017</a:t>
+              <a:t>4/18/2017</a:t>
             </a:fld>
             <a:endParaRPr lang="en-US"/>
           </a:p>
@@ -4589,7 +4589,7 @@
           <a:p>
             <a:fld id="{E6C36A7E-1B23-46D3-B97D-FBE591A5B164}" type="datetimeFigureOut">
               <a:rPr lang="en-US" smtClean="0"/>
-              <a:t>4/16/2017</a:t>
+              <a:t>4/18/2017</a:t>
             </a:fld>
             <a:endParaRPr lang="en-US"/>
           </a:p>
@@ -4838,7 +4838,7 @@
           <a:p>
             <a:fld id="{E6C36A7E-1B23-46D3-B97D-FBE591A5B164}" type="datetimeFigureOut">
               <a:rPr lang="en-US" smtClean="0"/>
-              <a:t>4/16/2017</a:t>
+              <a:t>4/18/2017</a:t>
             </a:fld>
             <a:endParaRPr lang="en-US"/>
           </a:p>
@@ -5095,7 +5095,7 @@
           <a:p>
             <a:fld id="{E6C36A7E-1B23-46D3-B97D-FBE591A5B164}" type="datetimeFigureOut">
               <a:rPr lang="en-US" smtClean="0"/>
-              <a:t>4/16/2017</a:t>
+              <a:t>4/18/2017</a:t>
             </a:fld>
             <a:endParaRPr lang="en-US"/>
           </a:p>
@@ -5338,7 +5338,7 @@
           <a:p>
             <a:fld id="{E6C36A7E-1B23-46D3-B97D-FBE591A5B164}" type="datetimeFigureOut">
               <a:rPr lang="en-US" smtClean="0"/>
-              <a:t>4/16/2017</a:t>
+              <a:t>4/18/2017</a:t>
             </a:fld>
             <a:endParaRPr lang="en-US"/>
           </a:p>
@@ -7007,8 +7007,12 @@
           <a:p>
             <a:pPr lvl="2"/>
             <a:r>
+              <a:rPr lang="en-US"/>
+              <a:t>Create table </a:t>
+            </a:r>
+            <a:r>
               <a:rPr lang="en-US" dirty="0"/>
-              <a:t>Create variable table of variables declared and assigned</a:t>
+              <a:t>of variables declared and assigned</a:t>
             </a:r>
           </a:p>
           <a:p>
